--- a/06_납품현황/2017/04_부산용홈만w몰/02_SerialNumber/20180214 부산w몰_tmp.pptx
+++ b/06_납품현황/2017/04_부산용홈만w몰/02_SerialNumber/20180214 부산w몰_tmp.pptx
@@ -230,7 +230,7 @@
           <a:p>
             <a:fld id="{05140594-A420-4E12-88D4-F36D5C213A82}" type="datetimeFigureOut">
               <a:rPr lang="ko-KR" altLang="en-US" smtClean="0"/>
-              <a:t>2018-02-18</a:t>
+              <a:t>2018-02-26</a:t>
             </a:fld>
             <a:endParaRPr lang="ko-KR" altLang="en-US"/>
           </a:p>
@@ -813,7 +813,7 @@
           <a:p>
             <a:fld id="{010C6041-03A1-4716-8FA6-032B9F05304A}" type="datetimeFigureOut">
               <a:rPr lang="ko-KR" altLang="en-US" smtClean="0"/>
-              <a:t>2018-02-18</a:t>
+              <a:t>2018-02-26</a:t>
             </a:fld>
             <a:endParaRPr lang="ko-KR" altLang="en-US"/>
           </a:p>
@@ -1011,7 +1011,7 @@
           <a:p>
             <a:fld id="{010C6041-03A1-4716-8FA6-032B9F05304A}" type="datetimeFigureOut">
               <a:rPr lang="ko-KR" altLang="en-US" smtClean="0"/>
-              <a:t>2018-02-18</a:t>
+              <a:t>2018-02-26</a:t>
             </a:fld>
             <a:endParaRPr lang="ko-KR" altLang="en-US"/>
           </a:p>
@@ -1219,7 +1219,7 @@
           <a:p>
             <a:fld id="{010C6041-03A1-4716-8FA6-032B9F05304A}" type="datetimeFigureOut">
               <a:rPr lang="ko-KR" altLang="en-US" smtClean="0"/>
-              <a:t>2018-02-18</a:t>
+              <a:t>2018-02-26</a:t>
             </a:fld>
             <a:endParaRPr lang="ko-KR" altLang="en-US"/>
           </a:p>
@@ -1417,7 +1417,7 @@
           <a:p>
             <a:fld id="{010C6041-03A1-4716-8FA6-032B9F05304A}" type="datetimeFigureOut">
               <a:rPr lang="ko-KR" altLang="en-US" smtClean="0"/>
-              <a:t>2018-02-18</a:t>
+              <a:t>2018-02-26</a:t>
             </a:fld>
             <a:endParaRPr lang="ko-KR" altLang="en-US"/>
           </a:p>
@@ -1692,7 +1692,7 @@
           <a:p>
             <a:fld id="{010C6041-03A1-4716-8FA6-032B9F05304A}" type="datetimeFigureOut">
               <a:rPr lang="ko-KR" altLang="en-US" smtClean="0"/>
-              <a:t>2018-02-18</a:t>
+              <a:t>2018-02-26</a:t>
             </a:fld>
             <a:endParaRPr lang="ko-KR" altLang="en-US"/>
           </a:p>
@@ -1957,7 +1957,7 @@
           <a:p>
             <a:fld id="{010C6041-03A1-4716-8FA6-032B9F05304A}" type="datetimeFigureOut">
               <a:rPr lang="ko-KR" altLang="en-US" smtClean="0"/>
-              <a:t>2018-02-18</a:t>
+              <a:t>2018-02-26</a:t>
             </a:fld>
             <a:endParaRPr lang="ko-KR" altLang="en-US"/>
           </a:p>
@@ -2369,7 +2369,7 @@
           <a:p>
             <a:fld id="{010C6041-03A1-4716-8FA6-032B9F05304A}" type="datetimeFigureOut">
               <a:rPr lang="ko-KR" altLang="en-US" smtClean="0"/>
-              <a:t>2018-02-18</a:t>
+              <a:t>2018-02-26</a:t>
             </a:fld>
             <a:endParaRPr lang="ko-KR" altLang="en-US"/>
           </a:p>
@@ -2510,7 +2510,7 @@
           <a:p>
             <a:fld id="{010C6041-03A1-4716-8FA6-032B9F05304A}" type="datetimeFigureOut">
               <a:rPr lang="ko-KR" altLang="en-US" smtClean="0"/>
-              <a:t>2018-02-18</a:t>
+              <a:t>2018-02-26</a:t>
             </a:fld>
             <a:endParaRPr lang="ko-KR" altLang="en-US"/>
           </a:p>
@@ -2623,7 +2623,7 @@
           <a:p>
             <a:fld id="{010C6041-03A1-4716-8FA6-032B9F05304A}" type="datetimeFigureOut">
               <a:rPr lang="ko-KR" altLang="en-US" smtClean="0"/>
-              <a:t>2018-02-18</a:t>
+              <a:t>2018-02-26</a:t>
             </a:fld>
             <a:endParaRPr lang="ko-KR" altLang="en-US"/>
           </a:p>
@@ -2934,7 +2934,7 @@
           <a:p>
             <a:fld id="{010C6041-03A1-4716-8FA6-032B9F05304A}" type="datetimeFigureOut">
               <a:rPr lang="ko-KR" altLang="en-US" smtClean="0"/>
-              <a:t>2018-02-18</a:t>
+              <a:t>2018-02-26</a:t>
             </a:fld>
             <a:endParaRPr lang="ko-KR" altLang="en-US"/>
           </a:p>
@@ -3222,7 +3222,7 @@
           <a:p>
             <a:fld id="{010C6041-03A1-4716-8FA6-032B9F05304A}" type="datetimeFigureOut">
               <a:rPr lang="ko-KR" altLang="en-US" smtClean="0"/>
-              <a:t>2018-02-18</a:t>
+              <a:t>2018-02-26</a:t>
             </a:fld>
             <a:endParaRPr lang="ko-KR" altLang="en-US"/>
           </a:p>
@@ -3463,7 +3463,7 @@
           <a:p>
             <a:fld id="{010C6041-03A1-4716-8FA6-032B9F05304A}" type="datetimeFigureOut">
               <a:rPr lang="ko-KR" altLang="en-US" smtClean="0"/>
-              <a:t>2018-02-18</a:t>
+              <a:t>2018-02-26</a:t>
             </a:fld>
             <a:endParaRPr lang="ko-KR" altLang="en-US"/>
           </a:p>
@@ -15583,7 +15583,7 @@
           <a:p>
             <a:r>
               <a:rPr lang="en-US" altLang="ko-KR" sz="1400" b="1" dirty="0" smtClean="0"/>
-              <a:t>5474</a:t>
+              <a:t>1935</a:t>
             </a:r>
             <a:endParaRPr lang="ko-KR" altLang="en-US" sz="1400" b="1" dirty="0"/>
           </a:p>
@@ -15613,7 +15613,7 @@
           <a:p>
             <a:r>
               <a:rPr lang="en-US" altLang="ko-KR" sz="1400" b="1" dirty="0" smtClean="0"/>
-              <a:t>5478</a:t>
+              <a:t>1934</a:t>
             </a:r>
             <a:endParaRPr lang="ko-KR" altLang="en-US" sz="1400" b="1" dirty="0"/>
           </a:p>
@@ -15643,7 +15643,7 @@
           <a:p>
             <a:r>
               <a:rPr lang="en-US" altLang="ko-KR" sz="1400" b="1" dirty="0" smtClean="0"/>
-              <a:t>5482</a:t>
+              <a:t>1933</a:t>
             </a:r>
             <a:endParaRPr lang="ko-KR" altLang="en-US" sz="1400" b="1" dirty="0"/>
           </a:p>
@@ -15673,7 +15673,7 @@
           <a:p>
             <a:r>
               <a:rPr lang="en-US" altLang="ko-KR" sz="1400" b="1" dirty="0" smtClean="0"/>
-              <a:t>5486</a:t>
+              <a:t>1932</a:t>
             </a:r>
             <a:endParaRPr lang="ko-KR" altLang="en-US" sz="1400" b="1" dirty="0"/>
           </a:p>
@@ -15703,7 +15703,7 @@
           <a:p>
             <a:r>
               <a:rPr lang="en-US" altLang="ko-KR" sz="1400" b="1" dirty="0" smtClean="0"/>
-              <a:t>5489</a:t>
+              <a:t>1931</a:t>
             </a:r>
             <a:endParaRPr lang="ko-KR" altLang="en-US" sz="1400" b="1" dirty="0"/>
           </a:p>
@@ -15733,7 +15733,7 @@
           <a:p>
             <a:r>
               <a:rPr lang="en-US" altLang="ko-KR" sz="1400" b="1" dirty="0" smtClean="0"/>
-              <a:t>5492</a:t>
+              <a:t>1930</a:t>
             </a:r>
             <a:endParaRPr lang="ko-KR" altLang="en-US" sz="1400" b="1" dirty="0"/>
           </a:p>
@@ -15763,7 +15763,7 @@
           <a:p>
             <a:r>
               <a:rPr lang="en-US" altLang="ko-KR" sz="1400" b="1" dirty="0" smtClean="0"/>
-              <a:t>5496</a:t>
+              <a:t>1929</a:t>
             </a:r>
             <a:endParaRPr lang="ko-KR" altLang="en-US" sz="1400" b="1" dirty="0"/>
           </a:p>
@@ -15793,7 +15793,7 @@
           <a:p>
             <a:r>
               <a:rPr lang="en-US" altLang="ko-KR" sz="1400" b="1" dirty="0" smtClean="0"/>
-              <a:t>5498</a:t>
+              <a:t>1928</a:t>
             </a:r>
             <a:endParaRPr lang="ko-KR" altLang="en-US" sz="1400" b="1" dirty="0"/>
           </a:p>
@@ -22616,7 +22616,7 @@
           <a:p>
             <a:r>
               <a:rPr lang="en-US" altLang="ko-KR" sz="1400" b="1" dirty="0" smtClean="0"/>
-              <a:t>2097</a:t>
+              <a:t>2167</a:t>
             </a:r>
             <a:endParaRPr lang="ko-KR" altLang="en-US" sz="1400" b="1" dirty="0"/>
           </a:p>
@@ -22649,7 +22649,7 @@
           <a:p>
             <a:r>
               <a:rPr lang="en-US" altLang="ko-KR" sz="1400" b="1" dirty="0" smtClean="0"/>
-              <a:t>2098</a:t>
+              <a:t>2168</a:t>
             </a:r>
             <a:endParaRPr lang="ko-KR" altLang="en-US" sz="1400" b="1" dirty="0"/>
           </a:p>
@@ -22682,7 +22682,7 @@
           <a:p>
             <a:r>
               <a:rPr lang="en-US" altLang="ko-KR" sz="1400" b="1" dirty="0" smtClean="0"/>
-              <a:t>2099</a:t>
+              <a:t>2169</a:t>
             </a:r>
             <a:endParaRPr lang="ko-KR" altLang="en-US" sz="1400" b="1" dirty="0"/>
           </a:p>
@@ -22715,7 +22715,7 @@
           <a:p>
             <a:r>
               <a:rPr lang="en-US" altLang="ko-KR" sz="1400" b="1" dirty="0" smtClean="0"/>
-              <a:t>2100</a:t>
+              <a:t>2170</a:t>
             </a:r>
             <a:endParaRPr lang="ko-KR" altLang="en-US" sz="1400" b="1" dirty="0"/>
           </a:p>
@@ -22730,25 +22730,25 @@
         <p:spPr>
           <a:xfrm>
             <a:off x="3758892" y="2003768"/>
-            <a:ext cx="569387" cy="307777"/>
-          </a:xfrm>
-          <a:prstGeom prst="rect">
-            <a:avLst/>
-          </a:prstGeom>
-          <a:noFill/>
-          <a:ln>
-            <a:noFill/>
-          </a:ln>
-        </p:spPr>
-        <p:txBody>
-          <a:bodyPr wrap="none" rtlCol="0">
-            <a:spAutoFit/>
-          </a:bodyPr>
-          <a:lstStyle/>
-          <a:p>
-            <a:r>
-              <a:rPr lang="en-US" altLang="ko-KR" sz="1400" b="1" dirty="0" err="1" smtClean="0"/>
-              <a:t>xxxx</a:t>
+            <a:ext cx="601447" cy="307777"/>
+          </a:xfrm>
+          <a:prstGeom prst="rect">
+            <a:avLst/>
+          </a:prstGeom>
+          <a:noFill/>
+          <a:ln>
+            <a:noFill/>
+          </a:ln>
+        </p:spPr>
+        <p:txBody>
+          <a:bodyPr wrap="none" rtlCol="0">
+            <a:spAutoFit/>
+          </a:bodyPr>
+          <a:lstStyle/>
+          <a:p>
+            <a:r>
+              <a:rPr lang="en-US" altLang="ko-KR" sz="1400" b="1" dirty="0" smtClean="0"/>
+              <a:t>2099</a:t>
             </a:r>
             <a:endParaRPr lang="ko-KR" altLang="en-US" sz="1400" b="1" dirty="0"/>
           </a:p>
@@ -22781,7 +22781,7 @@
           <a:p>
             <a:r>
               <a:rPr lang="en-US" altLang="ko-KR" sz="1400" b="1" dirty="0" smtClean="0"/>
-              <a:t>2101</a:t>
+              <a:t>2097</a:t>
             </a:r>
             <a:endParaRPr lang="ko-KR" altLang="en-US" sz="1400" b="1" dirty="0"/>
           </a:p>
@@ -22913,7 +22913,7 @@
           <a:p>
             <a:r>
               <a:rPr lang="en-US" altLang="ko-KR" sz="1400" b="1" dirty="0" smtClean="0"/>
-              <a:t>2102</a:t>
+              <a:t>2098</a:t>
             </a:r>
             <a:endParaRPr lang="ko-KR" altLang="en-US" sz="1400" b="1" dirty="0"/>
           </a:p>
@@ -24282,25 +24282,25 @@
         <p:spPr>
           <a:xfrm>
             <a:off x="620023" y="2931751"/>
-            <a:ext cx="569387" cy="307777"/>
-          </a:xfrm>
-          <a:prstGeom prst="rect">
-            <a:avLst/>
-          </a:prstGeom>
-          <a:noFill/>
-          <a:ln>
-            <a:noFill/>
-          </a:ln>
-        </p:spPr>
-        <p:txBody>
-          <a:bodyPr wrap="none" rtlCol="0">
-            <a:spAutoFit/>
-          </a:bodyPr>
-          <a:lstStyle/>
-          <a:p>
-            <a:r>
-              <a:rPr lang="en-US" altLang="ko-KR" sz="1400" b="1" dirty="0" err="1" smtClean="0"/>
-              <a:t>xxxx</a:t>
+            <a:ext cx="601447" cy="307777"/>
+          </a:xfrm>
+          <a:prstGeom prst="rect">
+            <a:avLst/>
+          </a:prstGeom>
+          <a:noFill/>
+          <a:ln>
+            <a:noFill/>
+          </a:ln>
+        </p:spPr>
+        <p:txBody>
+          <a:bodyPr wrap="none" rtlCol="0">
+            <a:spAutoFit/>
+          </a:bodyPr>
+          <a:lstStyle/>
+          <a:p>
+            <a:r>
+              <a:rPr lang="en-US" altLang="ko-KR" sz="1400" b="1" dirty="0" smtClean="0"/>
+              <a:t>2150</a:t>
             </a:r>
             <a:endParaRPr lang="ko-KR" altLang="en-US" sz="1400" b="1" dirty="0"/>
           </a:p>
@@ -24315,25 +24315,25 @@
         <p:spPr>
           <a:xfrm>
             <a:off x="722612" y="2176415"/>
-            <a:ext cx="569387" cy="307777"/>
-          </a:xfrm>
-          <a:prstGeom prst="rect">
-            <a:avLst/>
-          </a:prstGeom>
-          <a:noFill/>
-          <a:ln>
-            <a:noFill/>
-          </a:ln>
-        </p:spPr>
-        <p:txBody>
-          <a:bodyPr wrap="none" rtlCol="0">
-            <a:spAutoFit/>
-          </a:bodyPr>
-          <a:lstStyle/>
-          <a:p>
-            <a:r>
-              <a:rPr lang="en-US" altLang="ko-KR" sz="1400" b="1" dirty="0" err="1" smtClean="0"/>
-              <a:t>xxxx</a:t>
+            <a:ext cx="601447" cy="307777"/>
+          </a:xfrm>
+          <a:prstGeom prst="rect">
+            <a:avLst/>
+          </a:prstGeom>
+          <a:noFill/>
+          <a:ln>
+            <a:noFill/>
+          </a:ln>
+        </p:spPr>
+        <p:txBody>
+          <a:bodyPr wrap="none" rtlCol="0">
+            <a:spAutoFit/>
+          </a:bodyPr>
+          <a:lstStyle/>
+          <a:p>
+            <a:r>
+              <a:rPr lang="en-US" altLang="ko-KR" sz="1400" b="1" dirty="0" smtClean="0"/>
+              <a:t>2151</a:t>
             </a:r>
             <a:endParaRPr lang="ko-KR" altLang="en-US" sz="1400" b="1" dirty="0"/>
           </a:p>
@@ -24348,25 +24348,25 @@
         <p:spPr>
           <a:xfrm>
             <a:off x="684166" y="1908351"/>
-            <a:ext cx="569387" cy="307777"/>
-          </a:xfrm>
-          <a:prstGeom prst="rect">
-            <a:avLst/>
-          </a:prstGeom>
-          <a:noFill/>
-          <a:ln>
-            <a:noFill/>
-          </a:ln>
-        </p:spPr>
-        <p:txBody>
-          <a:bodyPr wrap="none" rtlCol="0">
-            <a:spAutoFit/>
-          </a:bodyPr>
-          <a:lstStyle/>
-          <a:p>
-            <a:r>
-              <a:rPr lang="en-US" altLang="ko-KR" sz="1400" b="1" dirty="0" err="1" smtClean="0"/>
-              <a:t>xxxx</a:t>
+            <a:ext cx="601447" cy="307777"/>
+          </a:xfrm>
+          <a:prstGeom prst="rect">
+            <a:avLst/>
+          </a:prstGeom>
+          <a:noFill/>
+          <a:ln>
+            <a:noFill/>
+          </a:ln>
+        </p:spPr>
+        <p:txBody>
+          <a:bodyPr wrap="none" rtlCol="0">
+            <a:spAutoFit/>
+          </a:bodyPr>
+          <a:lstStyle/>
+          <a:p>
+            <a:r>
+              <a:rPr lang="en-US" altLang="ko-KR" sz="1400" b="1" dirty="0" smtClean="0"/>
+              <a:t>2152</a:t>
             </a:r>
             <a:endParaRPr lang="ko-KR" altLang="en-US" sz="1400" b="1" dirty="0"/>
           </a:p>
@@ -24380,26 +24380,26 @@
         </p:nvSpPr>
         <p:spPr>
           <a:xfrm rot="16200000">
-            <a:off x="1231639" y="4617525"/>
-            <a:ext cx="569387" cy="307777"/>
-          </a:xfrm>
-          <a:prstGeom prst="rect">
-            <a:avLst/>
-          </a:prstGeom>
-          <a:noFill/>
-          <a:ln>
-            <a:noFill/>
-          </a:ln>
-        </p:spPr>
-        <p:txBody>
-          <a:bodyPr wrap="none" rtlCol="0">
-            <a:spAutoFit/>
-          </a:bodyPr>
-          <a:lstStyle/>
-          <a:p>
-            <a:r>
-              <a:rPr lang="en-US" altLang="ko-KR" sz="1400" b="1" dirty="0" err="1" smtClean="0"/>
-              <a:t>xxxx</a:t>
+            <a:off x="1215609" y="4617525"/>
+            <a:ext cx="601447" cy="307777"/>
+          </a:xfrm>
+          <a:prstGeom prst="rect">
+            <a:avLst/>
+          </a:prstGeom>
+          <a:noFill/>
+          <a:ln>
+            <a:noFill/>
+          </a:ln>
+        </p:spPr>
+        <p:txBody>
+          <a:bodyPr wrap="none" rtlCol="0">
+            <a:spAutoFit/>
+          </a:bodyPr>
+          <a:lstStyle/>
+          <a:p>
+            <a:r>
+              <a:rPr lang="en-US" altLang="ko-KR" sz="1400" b="1" dirty="0" smtClean="0"/>
+              <a:t>2149</a:t>
             </a:r>
             <a:endParaRPr lang="ko-KR" altLang="en-US" sz="1400" b="1" dirty="0"/>
           </a:p>
@@ -24413,26 +24413,26 @@
         </p:nvSpPr>
         <p:spPr>
           <a:xfrm rot="16200000">
-            <a:off x="1243532" y="5158971"/>
-            <a:ext cx="569387" cy="307777"/>
-          </a:xfrm>
-          <a:prstGeom prst="rect">
-            <a:avLst/>
-          </a:prstGeom>
-          <a:noFill/>
-          <a:ln>
-            <a:noFill/>
-          </a:ln>
-        </p:spPr>
-        <p:txBody>
-          <a:bodyPr wrap="none" rtlCol="0">
-            <a:spAutoFit/>
-          </a:bodyPr>
-          <a:lstStyle/>
-          <a:p>
-            <a:r>
-              <a:rPr lang="en-US" altLang="ko-KR" sz="1400" b="1" dirty="0" err="1" smtClean="0"/>
-              <a:t>xxxx</a:t>
+            <a:off x="1227502" y="5158971"/>
+            <a:ext cx="601447" cy="307777"/>
+          </a:xfrm>
+          <a:prstGeom prst="rect">
+            <a:avLst/>
+          </a:prstGeom>
+          <a:noFill/>
+          <a:ln>
+            <a:noFill/>
+          </a:ln>
+        </p:spPr>
+        <p:txBody>
+          <a:bodyPr wrap="none" rtlCol="0">
+            <a:spAutoFit/>
+          </a:bodyPr>
+          <a:lstStyle/>
+          <a:p>
+            <a:r>
+              <a:rPr lang="en-US" altLang="ko-KR" sz="1400" b="1" dirty="0" smtClean="0"/>
+              <a:t>2148</a:t>
             </a:r>
             <a:endParaRPr lang="ko-KR" altLang="en-US" sz="1400" b="1" dirty="0"/>
           </a:p>
@@ -24446,26 +24446,26 @@
         </p:nvSpPr>
         <p:spPr>
           <a:xfrm rot="16200000">
-            <a:off x="1257850" y="5831584"/>
-            <a:ext cx="569387" cy="307777"/>
-          </a:xfrm>
-          <a:prstGeom prst="rect">
-            <a:avLst/>
-          </a:prstGeom>
-          <a:noFill/>
-          <a:ln>
-            <a:noFill/>
-          </a:ln>
-        </p:spPr>
-        <p:txBody>
-          <a:bodyPr wrap="none" rtlCol="0">
-            <a:spAutoFit/>
-          </a:bodyPr>
-          <a:lstStyle/>
-          <a:p>
-            <a:r>
-              <a:rPr lang="en-US" altLang="ko-KR" sz="1400" b="1" dirty="0" err="1" smtClean="0"/>
-              <a:t>xxxx</a:t>
+            <a:off x="1241820" y="5831584"/>
+            <a:ext cx="601447" cy="307777"/>
+          </a:xfrm>
+          <a:prstGeom prst="rect">
+            <a:avLst/>
+          </a:prstGeom>
+          <a:noFill/>
+          <a:ln>
+            <a:noFill/>
+          </a:ln>
+        </p:spPr>
+        <p:txBody>
+          <a:bodyPr wrap="none" rtlCol="0">
+            <a:spAutoFit/>
+          </a:bodyPr>
+          <a:lstStyle/>
+          <a:p>
+            <a:r>
+              <a:rPr lang="en-US" altLang="ko-KR" sz="1400" b="1" dirty="0" smtClean="0"/>
+              <a:t>2147</a:t>
             </a:r>
             <a:endParaRPr lang="ko-KR" altLang="en-US" sz="1400" b="1" dirty="0"/>
           </a:p>
@@ -24479,26 +24479,26 @@
         </p:nvSpPr>
         <p:spPr>
           <a:xfrm rot="16200000">
-            <a:off x="1265231" y="6367127"/>
-            <a:ext cx="569387" cy="307777"/>
-          </a:xfrm>
-          <a:prstGeom prst="rect">
-            <a:avLst/>
-          </a:prstGeom>
-          <a:noFill/>
-          <a:ln>
-            <a:noFill/>
-          </a:ln>
-        </p:spPr>
-        <p:txBody>
-          <a:bodyPr wrap="none" rtlCol="0">
-            <a:spAutoFit/>
-          </a:bodyPr>
-          <a:lstStyle/>
-          <a:p>
-            <a:r>
-              <a:rPr lang="en-US" altLang="ko-KR" sz="1400" b="1" dirty="0" err="1" smtClean="0"/>
-              <a:t>xxxx</a:t>
+            <a:off x="1249201" y="6367127"/>
+            <a:ext cx="601447" cy="307777"/>
+          </a:xfrm>
+          <a:prstGeom prst="rect">
+            <a:avLst/>
+          </a:prstGeom>
+          <a:noFill/>
+          <a:ln>
+            <a:noFill/>
+          </a:ln>
+        </p:spPr>
+        <p:txBody>
+          <a:bodyPr wrap="none" rtlCol="0">
+            <a:spAutoFit/>
+          </a:bodyPr>
+          <a:lstStyle/>
+          <a:p>
+            <a:r>
+              <a:rPr lang="en-US" altLang="ko-KR" sz="1400" b="1" dirty="0" smtClean="0"/>
+              <a:t>2146</a:t>
             </a:r>
             <a:endParaRPr lang="ko-KR" altLang="en-US" sz="1400" b="1" dirty="0"/>
           </a:p>
@@ -24512,26 +24512,26 @@
         </p:nvSpPr>
         <p:spPr>
           <a:xfrm rot="16200000">
-            <a:off x="1214524" y="1410799"/>
-            <a:ext cx="569387" cy="307777"/>
-          </a:xfrm>
-          <a:prstGeom prst="rect">
-            <a:avLst/>
-          </a:prstGeom>
-          <a:noFill/>
-          <a:ln>
-            <a:noFill/>
-          </a:ln>
-        </p:spPr>
-        <p:txBody>
-          <a:bodyPr wrap="none" rtlCol="0">
-            <a:spAutoFit/>
-          </a:bodyPr>
-          <a:lstStyle/>
-          <a:p>
-            <a:r>
-              <a:rPr lang="en-US" altLang="ko-KR" sz="1400" b="1" dirty="0" err="1" smtClean="0"/>
-              <a:t>xxxx</a:t>
+            <a:off x="1198494" y="1410799"/>
+            <a:ext cx="601447" cy="307777"/>
+          </a:xfrm>
+          <a:prstGeom prst="rect">
+            <a:avLst/>
+          </a:prstGeom>
+          <a:noFill/>
+          <a:ln>
+            <a:noFill/>
+          </a:ln>
+        </p:spPr>
+        <p:txBody>
+          <a:bodyPr wrap="none" rtlCol="0">
+            <a:spAutoFit/>
+          </a:bodyPr>
+          <a:lstStyle/>
+          <a:p>
+            <a:r>
+              <a:rPr lang="en-US" altLang="ko-KR" sz="1400" b="1" dirty="0" smtClean="0"/>
+              <a:t>2153</a:t>
             </a:r>
             <a:endParaRPr lang="ko-KR" altLang="en-US" sz="1400" b="1" dirty="0"/>
           </a:p>
@@ -24546,25 +24546,25 @@
         <p:spPr>
           <a:xfrm>
             <a:off x="1884635" y="1029914"/>
-            <a:ext cx="569387" cy="307777"/>
-          </a:xfrm>
-          <a:prstGeom prst="rect">
-            <a:avLst/>
-          </a:prstGeom>
-          <a:noFill/>
-          <a:ln>
-            <a:noFill/>
-          </a:ln>
-        </p:spPr>
-        <p:txBody>
-          <a:bodyPr wrap="none" rtlCol="0">
-            <a:spAutoFit/>
-          </a:bodyPr>
-          <a:lstStyle/>
-          <a:p>
-            <a:r>
-              <a:rPr lang="en-US" altLang="ko-KR" sz="1400" b="1" dirty="0" err="1" smtClean="0"/>
-              <a:t>xxxx</a:t>
+            <a:ext cx="601447" cy="307777"/>
+          </a:xfrm>
+          <a:prstGeom prst="rect">
+            <a:avLst/>
+          </a:prstGeom>
+          <a:noFill/>
+          <a:ln>
+            <a:noFill/>
+          </a:ln>
+        </p:spPr>
+        <p:txBody>
+          <a:bodyPr wrap="none" rtlCol="0">
+            <a:spAutoFit/>
+          </a:bodyPr>
+          <a:lstStyle/>
+          <a:p>
+            <a:r>
+              <a:rPr lang="en-US" altLang="ko-KR" sz="1400" b="1" dirty="0" smtClean="0"/>
+              <a:t>2154</a:t>
             </a:r>
             <a:endParaRPr lang="ko-KR" altLang="en-US" sz="1400" b="1" dirty="0"/>
           </a:p>
@@ -24578,26 +24578,26 @@
         </p:nvSpPr>
         <p:spPr>
           <a:xfrm rot="16200000">
-            <a:off x="2646598" y="701667"/>
-            <a:ext cx="569387" cy="307777"/>
-          </a:xfrm>
-          <a:prstGeom prst="rect">
-            <a:avLst/>
-          </a:prstGeom>
-          <a:noFill/>
-          <a:ln>
-            <a:noFill/>
-          </a:ln>
-        </p:spPr>
-        <p:txBody>
-          <a:bodyPr wrap="none" rtlCol="0">
-            <a:spAutoFit/>
-          </a:bodyPr>
-          <a:lstStyle/>
-          <a:p>
-            <a:r>
-              <a:rPr lang="en-US" altLang="ko-KR" sz="1400" b="1" dirty="0" err="1" smtClean="0"/>
-              <a:t>xxxx</a:t>
+            <a:off x="2630568" y="701667"/>
+            <a:ext cx="601447" cy="307777"/>
+          </a:xfrm>
+          <a:prstGeom prst="rect">
+            <a:avLst/>
+          </a:prstGeom>
+          <a:noFill/>
+          <a:ln>
+            <a:noFill/>
+          </a:ln>
+        </p:spPr>
+        <p:txBody>
+          <a:bodyPr wrap="none" rtlCol="0">
+            <a:spAutoFit/>
+          </a:bodyPr>
+          <a:lstStyle/>
+          <a:p>
+            <a:r>
+              <a:rPr lang="en-US" altLang="ko-KR" sz="1400" b="1" dirty="0" smtClean="0"/>
+              <a:t>2155</a:t>
             </a:r>
             <a:endParaRPr lang="ko-KR" altLang="en-US" sz="1400" b="1" dirty="0"/>
           </a:p>
@@ -24611,26 +24611,26 @@
         </p:nvSpPr>
         <p:spPr>
           <a:xfrm rot="20780770">
-            <a:off x="3960807" y="843290"/>
-            <a:ext cx="569387" cy="307777"/>
-          </a:xfrm>
-          <a:prstGeom prst="rect">
-            <a:avLst/>
-          </a:prstGeom>
-          <a:noFill/>
-          <a:ln>
-            <a:noFill/>
-          </a:ln>
-        </p:spPr>
-        <p:txBody>
-          <a:bodyPr wrap="none" rtlCol="0">
-            <a:spAutoFit/>
-          </a:bodyPr>
-          <a:lstStyle/>
-          <a:p>
-            <a:r>
-              <a:rPr lang="en-US" altLang="ko-KR" sz="1400" b="1" dirty="0" err="1" smtClean="0"/>
-              <a:t>xxxx</a:t>
+            <a:off x="3944777" y="843290"/>
+            <a:ext cx="601447" cy="307777"/>
+          </a:xfrm>
+          <a:prstGeom prst="rect">
+            <a:avLst/>
+          </a:prstGeom>
+          <a:noFill/>
+          <a:ln>
+            <a:noFill/>
+          </a:ln>
+        </p:spPr>
+        <p:txBody>
+          <a:bodyPr wrap="none" rtlCol="0">
+            <a:spAutoFit/>
+          </a:bodyPr>
+          <a:lstStyle/>
+          <a:p>
+            <a:r>
+              <a:rPr lang="en-US" altLang="ko-KR" sz="1400" b="1" dirty="0" smtClean="0"/>
+              <a:t>2156</a:t>
             </a:r>
             <a:endParaRPr lang="ko-KR" altLang="en-US" sz="1400" b="1" dirty="0"/>
           </a:p>
@@ -24644,26 +24644,26 @@
         </p:nvSpPr>
         <p:spPr>
           <a:xfrm rot="749874">
-            <a:off x="6107457" y="789647"/>
-            <a:ext cx="569387" cy="307777"/>
-          </a:xfrm>
-          <a:prstGeom prst="rect">
-            <a:avLst/>
-          </a:prstGeom>
-          <a:noFill/>
-          <a:ln>
-            <a:noFill/>
-          </a:ln>
-        </p:spPr>
-        <p:txBody>
-          <a:bodyPr wrap="none" rtlCol="0">
-            <a:spAutoFit/>
-          </a:bodyPr>
-          <a:lstStyle/>
-          <a:p>
-            <a:r>
-              <a:rPr lang="en-US" altLang="ko-KR" sz="1400" b="1" dirty="0" err="1" smtClean="0"/>
-              <a:t>xxxx</a:t>
+            <a:off x="6091427" y="789647"/>
+            <a:ext cx="601447" cy="307777"/>
+          </a:xfrm>
+          <a:prstGeom prst="rect">
+            <a:avLst/>
+          </a:prstGeom>
+          <a:noFill/>
+          <a:ln>
+            <a:noFill/>
+          </a:ln>
+        </p:spPr>
+        <p:txBody>
+          <a:bodyPr wrap="none" rtlCol="0">
+            <a:spAutoFit/>
+          </a:bodyPr>
+          <a:lstStyle/>
+          <a:p>
+            <a:r>
+              <a:rPr lang="en-US" altLang="ko-KR" sz="1400" b="1" dirty="0" smtClean="0"/>
+              <a:t>2157</a:t>
             </a:r>
             <a:endParaRPr lang="ko-KR" altLang="en-US" sz="1400" b="1" dirty="0"/>
           </a:p>
@@ -24677,26 +24677,26 @@
         </p:nvSpPr>
         <p:spPr>
           <a:xfrm rot="749874">
-            <a:off x="6787532" y="926212"/>
-            <a:ext cx="569387" cy="307777"/>
-          </a:xfrm>
-          <a:prstGeom prst="rect">
-            <a:avLst/>
-          </a:prstGeom>
-          <a:noFill/>
-          <a:ln>
-            <a:noFill/>
-          </a:ln>
-        </p:spPr>
-        <p:txBody>
-          <a:bodyPr wrap="none" rtlCol="0">
-            <a:spAutoFit/>
-          </a:bodyPr>
-          <a:lstStyle/>
-          <a:p>
-            <a:r>
-              <a:rPr lang="en-US" altLang="ko-KR" sz="1400" b="1" dirty="0" err="1" smtClean="0"/>
-              <a:t>xxxx</a:t>
+            <a:off x="6771502" y="926212"/>
+            <a:ext cx="601447" cy="307777"/>
+          </a:xfrm>
+          <a:prstGeom prst="rect">
+            <a:avLst/>
+          </a:prstGeom>
+          <a:noFill/>
+          <a:ln>
+            <a:noFill/>
+          </a:ln>
+        </p:spPr>
+        <p:txBody>
+          <a:bodyPr wrap="none" rtlCol="0">
+            <a:spAutoFit/>
+          </a:bodyPr>
+          <a:lstStyle/>
+          <a:p>
+            <a:r>
+              <a:rPr lang="en-US" altLang="ko-KR" sz="1400" b="1" dirty="0" smtClean="0"/>
+              <a:t>2158</a:t>
             </a:r>
             <a:endParaRPr lang="ko-KR" altLang="en-US" sz="1400" b="1" dirty="0"/>
           </a:p>
@@ -24710,26 +24710,26 @@
         </p:nvSpPr>
         <p:spPr>
           <a:xfrm rot="16200000">
-            <a:off x="7829975" y="699444"/>
-            <a:ext cx="569387" cy="307777"/>
-          </a:xfrm>
-          <a:prstGeom prst="rect">
-            <a:avLst/>
-          </a:prstGeom>
-          <a:noFill/>
-          <a:ln>
-            <a:noFill/>
-          </a:ln>
-        </p:spPr>
-        <p:txBody>
-          <a:bodyPr wrap="none" rtlCol="0">
-            <a:spAutoFit/>
-          </a:bodyPr>
-          <a:lstStyle/>
-          <a:p>
-            <a:r>
-              <a:rPr lang="en-US" altLang="ko-KR" sz="1400" b="1" dirty="0" err="1" smtClean="0"/>
-              <a:t>xxxx</a:t>
+            <a:off x="7813945" y="699444"/>
+            <a:ext cx="601447" cy="307777"/>
+          </a:xfrm>
+          <a:prstGeom prst="rect">
+            <a:avLst/>
+          </a:prstGeom>
+          <a:noFill/>
+          <a:ln>
+            <a:noFill/>
+          </a:ln>
+        </p:spPr>
+        <p:txBody>
+          <a:bodyPr wrap="none" rtlCol="0">
+            <a:spAutoFit/>
+          </a:bodyPr>
+          <a:lstStyle/>
+          <a:p>
+            <a:r>
+              <a:rPr lang="en-US" altLang="ko-KR" sz="1400" b="1" dirty="0" smtClean="0"/>
+              <a:t>2159</a:t>
             </a:r>
             <a:endParaRPr lang="ko-KR" altLang="en-US" sz="1400" b="1" dirty="0"/>
           </a:p>
@@ -24743,26 +24743,26 @@
         </p:nvSpPr>
         <p:spPr>
           <a:xfrm rot="16200000">
-            <a:off x="8179296" y="685698"/>
-            <a:ext cx="569387" cy="307777"/>
-          </a:xfrm>
-          <a:prstGeom prst="rect">
-            <a:avLst/>
-          </a:prstGeom>
-          <a:noFill/>
-          <a:ln>
-            <a:noFill/>
-          </a:ln>
-        </p:spPr>
-        <p:txBody>
-          <a:bodyPr wrap="none" rtlCol="0">
-            <a:spAutoFit/>
-          </a:bodyPr>
-          <a:lstStyle/>
-          <a:p>
-            <a:r>
-              <a:rPr lang="en-US" altLang="ko-KR" sz="1400" b="1" dirty="0" err="1" smtClean="0"/>
-              <a:t>xxxx</a:t>
+            <a:off x="8163266" y="685698"/>
+            <a:ext cx="601447" cy="307777"/>
+          </a:xfrm>
+          <a:prstGeom prst="rect">
+            <a:avLst/>
+          </a:prstGeom>
+          <a:noFill/>
+          <a:ln>
+            <a:noFill/>
+          </a:ln>
+        </p:spPr>
+        <p:txBody>
+          <a:bodyPr wrap="none" rtlCol="0">
+            <a:spAutoFit/>
+          </a:bodyPr>
+          <a:lstStyle/>
+          <a:p>
+            <a:r>
+              <a:rPr lang="en-US" altLang="ko-KR" sz="1400" b="1" dirty="0" smtClean="0"/>
+              <a:t>2160</a:t>
             </a:r>
             <a:endParaRPr lang="ko-KR" altLang="en-US" sz="1400" b="1" dirty="0"/>
           </a:p>
@@ -24776,26 +24776,26 @@
         </p:nvSpPr>
         <p:spPr>
           <a:xfrm rot="16200000">
-            <a:off x="9156990" y="663755"/>
-            <a:ext cx="569387" cy="307777"/>
-          </a:xfrm>
-          <a:prstGeom prst="rect">
-            <a:avLst/>
-          </a:prstGeom>
-          <a:noFill/>
-          <a:ln>
-            <a:noFill/>
-          </a:ln>
-        </p:spPr>
-        <p:txBody>
-          <a:bodyPr wrap="none" rtlCol="0">
-            <a:spAutoFit/>
-          </a:bodyPr>
-          <a:lstStyle/>
-          <a:p>
-            <a:r>
-              <a:rPr lang="en-US" altLang="ko-KR" sz="1400" b="1" dirty="0" err="1" smtClean="0"/>
-              <a:t>xxxx</a:t>
+            <a:off x="9140960" y="663755"/>
+            <a:ext cx="601447" cy="307777"/>
+          </a:xfrm>
+          <a:prstGeom prst="rect">
+            <a:avLst/>
+          </a:prstGeom>
+          <a:noFill/>
+          <a:ln>
+            <a:noFill/>
+          </a:ln>
+        </p:spPr>
+        <p:txBody>
+          <a:bodyPr wrap="none" rtlCol="0">
+            <a:spAutoFit/>
+          </a:bodyPr>
+          <a:lstStyle/>
+          <a:p>
+            <a:r>
+              <a:rPr lang="en-US" altLang="ko-KR" sz="1400" b="1" dirty="0" smtClean="0"/>
+              <a:t>2161</a:t>
             </a:r>
             <a:endParaRPr lang="ko-KR" altLang="en-US" sz="1400" b="1" dirty="0"/>
           </a:p>
@@ -24809,26 +24809,26 @@
         </p:nvSpPr>
         <p:spPr>
           <a:xfrm rot="16200000">
-            <a:off x="9497705" y="710891"/>
-            <a:ext cx="569387" cy="307777"/>
-          </a:xfrm>
-          <a:prstGeom prst="rect">
-            <a:avLst/>
-          </a:prstGeom>
-          <a:noFill/>
-          <a:ln>
-            <a:noFill/>
-          </a:ln>
-        </p:spPr>
-        <p:txBody>
-          <a:bodyPr wrap="none" rtlCol="0">
-            <a:spAutoFit/>
-          </a:bodyPr>
-          <a:lstStyle/>
-          <a:p>
-            <a:r>
-              <a:rPr lang="en-US" altLang="ko-KR" sz="1400" b="1" dirty="0" err="1" smtClean="0"/>
-              <a:t>xxxx</a:t>
+            <a:off x="9481675" y="710891"/>
+            <a:ext cx="601447" cy="307777"/>
+          </a:xfrm>
+          <a:prstGeom prst="rect">
+            <a:avLst/>
+          </a:prstGeom>
+          <a:noFill/>
+          <a:ln>
+            <a:noFill/>
+          </a:ln>
+        </p:spPr>
+        <p:txBody>
+          <a:bodyPr wrap="none" rtlCol="0">
+            <a:spAutoFit/>
+          </a:bodyPr>
+          <a:lstStyle/>
+          <a:p>
+            <a:r>
+              <a:rPr lang="en-US" altLang="ko-KR" sz="1400" b="1" dirty="0" smtClean="0"/>
+              <a:t>2162</a:t>
             </a:r>
             <a:endParaRPr lang="ko-KR" altLang="en-US" sz="1400" b="1" dirty="0"/>
           </a:p>
@@ -24843,25 +24843,25 @@
         <p:spPr>
           <a:xfrm>
             <a:off x="10019475" y="1030471"/>
-            <a:ext cx="569387" cy="307777"/>
-          </a:xfrm>
-          <a:prstGeom prst="rect">
-            <a:avLst/>
-          </a:prstGeom>
-          <a:noFill/>
-          <a:ln>
-            <a:noFill/>
-          </a:ln>
-        </p:spPr>
-        <p:txBody>
-          <a:bodyPr wrap="none" rtlCol="0">
-            <a:spAutoFit/>
-          </a:bodyPr>
-          <a:lstStyle/>
-          <a:p>
-            <a:r>
-              <a:rPr lang="en-US" altLang="ko-KR" sz="1400" b="1" dirty="0" err="1" smtClean="0"/>
-              <a:t>xxxx</a:t>
+            <a:ext cx="601447" cy="307777"/>
+          </a:xfrm>
+          <a:prstGeom prst="rect">
+            <a:avLst/>
+          </a:prstGeom>
+          <a:noFill/>
+          <a:ln>
+            <a:noFill/>
+          </a:ln>
+        </p:spPr>
+        <p:txBody>
+          <a:bodyPr wrap="none" rtlCol="0">
+            <a:spAutoFit/>
+          </a:bodyPr>
+          <a:lstStyle/>
+          <a:p>
+            <a:r>
+              <a:rPr lang="en-US" altLang="ko-KR" sz="1400" b="1" dirty="0" smtClean="0"/>
+              <a:t>2163</a:t>
             </a:r>
             <a:endParaRPr lang="ko-KR" altLang="en-US" sz="1400" b="1" dirty="0"/>
           </a:p>
@@ -24876,25 +24876,25 @@
         <p:spPr>
           <a:xfrm>
             <a:off x="10604064" y="1026004"/>
-            <a:ext cx="569387" cy="307777"/>
-          </a:xfrm>
-          <a:prstGeom prst="rect">
-            <a:avLst/>
-          </a:prstGeom>
-          <a:noFill/>
-          <a:ln>
-            <a:noFill/>
-          </a:ln>
-        </p:spPr>
-        <p:txBody>
-          <a:bodyPr wrap="none" rtlCol="0">
-            <a:spAutoFit/>
-          </a:bodyPr>
-          <a:lstStyle/>
-          <a:p>
-            <a:r>
-              <a:rPr lang="en-US" altLang="ko-KR" sz="1400" b="1" dirty="0" err="1" smtClean="0"/>
-              <a:t>xxxx</a:t>
+            <a:ext cx="601447" cy="307777"/>
+          </a:xfrm>
+          <a:prstGeom prst="rect">
+            <a:avLst/>
+          </a:prstGeom>
+          <a:noFill/>
+          <a:ln>
+            <a:noFill/>
+          </a:ln>
+        </p:spPr>
+        <p:txBody>
+          <a:bodyPr wrap="none" rtlCol="0">
+            <a:spAutoFit/>
+          </a:bodyPr>
+          <a:lstStyle/>
+          <a:p>
+            <a:r>
+              <a:rPr lang="en-US" altLang="ko-KR" sz="1400" b="1" dirty="0" smtClean="0"/>
+              <a:t>2164</a:t>
             </a:r>
             <a:endParaRPr lang="ko-KR" altLang="en-US" sz="1400" b="1" dirty="0"/>
           </a:p>
@@ -24909,25 +24909,25 @@
         <p:spPr>
           <a:xfrm>
             <a:off x="11268676" y="1029807"/>
-            <a:ext cx="569387" cy="307777"/>
-          </a:xfrm>
-          <a:prstGeom prst="rect">
-            <a:avLst/>
-          </a:prstGeom>
-          <a:noFill/>
-          <a:ln>
-            <a:noFill/>
-          </a:ln>
-        </p:spPr>
-        <p:txBody>
-          <a:bodyPr wrap="none" rtlCol="0">
-            <a:spAutoFit/>
-          </a:bodyPr>
-          <a:lstStyle/>
-          <a:p>
-            <a:r>
-              <a:rPr lang="en-US" altLang="ko-KR" sz="1400" b="1" dirty="0" err="1" smtClean="0"/>
-              <a:t>xxxx</a:t>
+            <a:ext cx="601447" cy="307777"/>
+          </a:xfrm>
+          <a:prstGeom prst="rect">
+            <a:avLst/>
+          </a:prstGeom>
+          <a:noFill/>
+          <a:ln>
+            <a:noFill/>
+          </a:ln>
+        </p:spPr>
+        <p:txBody>
+          <a:bodyPr wrap="none" rtlCol="0">
+            <a:spAutoFit/>
+          </a:bodyPr>
+          <a:lstStyle/>
+          <a:p>
+            <a:r>
+              <a:rPr lang="en-US" altLang="ko-KR" sz="1400" b="1" dirty="0" smtClean="0"/>
+              <a:t>2165</a:t>
             </a:r>
             <a:endParaRPr lang="ko-KR" altLang="en-US" sz="1400" b="1" dirty="0"/>
           </a:p>
@@ -28223,25 +28223,25 @@
         <p:spPr>
           <a:xfrm>
             <a:off x="134595" y="4800299"/>
-            <a:ext cx="569387" cy="307777"/>
-          </a:xfrm>
-          <a:prstGeom prst="rect">
-            <a:avLst/>
-          </a:prstGeom>
-          <a:noFill/>
-          <a:ln>
-            <a:noFill/>
-          </a:ln>
-        </p:spPr>
-        <p:txBody>
-          <a:bodyPr wrap="none" rtlCol="0">
-            <a:spAutoFit/>
-          </a:bodyPr>
-          <a:lstStyle/>
-          <a:p>
-            <a:r>
-              <a:rPr lang="en-US" altLang="ko-KR" sz="1400" b="1" dirty="0" err="1" smtClean="0"/>
-              <a:t>xxxx</a:t>
+            <a:ext cx="601447" cy="307777"/>
+          </a:xfrm>
+          <a:prstGeom prst="rect">
+            <a:avLst/>
+          </a:prstGeom>
+          <a:noFill/>
+          <a:ln>
+            <a:noFill/>
+          </a:ln>
+        </p:spPr>
+        <p:txBody>
+          <a:bodyPr wrap="none" rtlCol="0">
+            <a:spAutoFit/>
+          </a:bodyPr>
+          <a:lstStyle/>
+          <a:p>
+            <a:r>
+              <a:rPr lang="en-US" altLang="ko-KR" sz="1400" b="1" dirty="0" smtClean="0"/>
+              <a:t>2006</a:t>
             </a:r>
             <a:endParaRPr lang="ko-KR" altLang="en-US" sz="1400" b="1" dirty="0"/>
           </a:p>
@@ -28256,25 +28256,25 @@
         <p:spPr>
           <a:xfrm>
             <a:off x="673598" y="4825585"/>
-            <a:ext cx="569387" cy="307777"/>
-          </a:xfrm>
-          <a:prstGeom prst="rect">
-            <a:avLst/>
-          </a:prstGeom>
-          <a:noFill/>
-          <a:ln>
-            <a:noFill/>
-          </a:ln>
-        </p:spPr>
-        <p:txBody>
-          <a:bodyPr wrap="none" rtlCol="0">
-            <a:spAutoFit/>
-          </a:bodyPr>
-          <a:lstStyle/>
-          <a:p>
-            <a:r>
-              <a:rPr lang="en-US" altLang="ko-KR" sz="1400" b="1" dirty="0" err="1" smtClean="0"/>
-              <a:t>xxxx</a:t>
+            <a:ext cx="601447" cy="307777"/>
+          </a:xfrm>
+          <a:prstGeom prst="rect">
+            <a:avLst/>
+          </a:prstGeom>
+          <a:noFill/>
+          <a:ln>
+            <a:noFill/>
+          </a:ln>
+        </p:spPr>
+        <p:txBody>
+          <a:bodyPr wrap="none" rtlCol="0">
+            <a:spAutoFit/>
+          </a:bodyPr>
+          <a:lstStyle/>
+          <a:p>
+            <a:r>
+              <a:rPr lang="en-US" altLang="ko-KR" sz="1400" b="1" dirty="0" smtClean="0"/>
+              <a:t>2007</a:t>
             </a:r>
             <a:endParaRPr lang="ko-KR" altLang="en-US" sz="1400" b="1" dirty="0"/>
           </a:p>
@@ -28289,25 +28289,25 @@
         <p:spPr>
           <a:xfrm>
             <a:off x="1219465" y="4818189"/>
-            <a:ext cx="569387" cy="307777"/>
-          </a:xfrm>
-          <a:prstGeom prst="rect">
-            <a:avLst/>
-          </a:prstGeom>
-          <a:noFill/>
-          <a:ln>
-            <a:noFill/>
-          </a:ln>
-        </p:spPr>
-        <p:txBody>
-          <a:bodyPr wrap="none" rtlCol="0">
-            <a:spAutoFit/>
-          </a:bodyPr>
-          <a:lstStyle/>
-          <a:p>
-            <a:r>
-              <a:rPr lang="en-US" altLang="ko-KR" sz="1400" b="1" dirty="0" err="1" smtClean="0"/>
-              <a:t>xxxx</a:t>
+            <a:ext cx="601447" cy="307777"/>
+          </a:xfrm>
+          <a:prstGeom prst="rect">
+            <a:avLst/>
+          </a:prstGeom>
+          <a:noFill/>
+          <a:ln>
+            <a:noFill/>
+          </a:ln>
+        </p:spPr>
+        <p:txBody>
+          <a:bodyPr wrap="none" rtlCol="0">
+            <a:spAutoFit/>
+          </a:bodyPr>
+          <a:lstStyle/>
+          <a:p>
+            <a:r>
+              <a:rPr lang="en-US" altLang="ko-KR" sz="1400" b="1" dirty="0" smtClean="0"/>
+              <a:t>2008</a:t>
             </a:r>
             <a:endParaRPr lang="ko-KR" altLang="en-US" sz="1400" b="1" dirty="0"/>
           </a:p>
@@ -28321,26 +28321,26 @@
         </p:nvSpPr>
         <p:spPr>
           <a:xfrm rot="16200000">
-            <a:off x="1389383" y="5418647"/>
-            <a:ext cx="569387" cy="307777"/>
-          </a:xfrm>
-          <a:prstGeom prst="rect">
-            <a:avLst/>
-          </a:prstGeom>
-          <a:noFill/>
-          <a:ln>
-            <a:noFill/>
-          </a:ln>
-        </p:spPr>
-        <p:txBody>
-          <a:bodyPr wrap="none" rtlCol="0">
-            <a:spAutoFit/>
-          </a:bodyPr>
-          <a:lstStyle/>
-          <a:p>
-            <a:r>
-              <a:rPr lang="en-US" altLang="ko-KR" sz="1400" b="1" dirty="0" err="1" smtClean="0"/>
-              <a:t>xxxx</a:t>
+            <a:off x="1373353" y="5418647"/>
+            <a:ext cx="601447" cy="307777"/>
+          </a:xfrm>
+          <a:prstGeom prst="rect">
+            <a:avLst/>
+          </a:prstGeom>
+          <a:noFill/>
+          <a:ln>
+            <a:noFill/>
+          </a:ln>
+        </p:spPr>
+        <p:txBody>
+          <a:bodyPr wrap="none" rtlCol="0">
+            <a:spAutoFit/>
+          </a:bodyPr>
+          <a:lstStyle/>
+          <a:p>
+            <a:r>
+              <a:rPr lang="en-US" altLang="ko-KR" sz="1400" b="1" dirty="0" smtClean="0"/>
+              <a:t>2009</a:t>
             </a:r>
             <a:endParaRPr lang="ko-KR" altLang="en-US" sz="1400" b="1" dirty="0"/>
           </a:p>
@@ -28354,26 +28354,26 @@
         </p:nvSpPr>
         <p:spPr>
           <a:xfrm rot="16200000">
-            <a:off x="1985049" y="5312537"/>
-            <a:ext cx="569387" cy="307777"/>
-          </a:xfrm>
-          <a:prstGeom prst="rect">
-            <a:avLst/>
-          </a:prstGeom>
-          <a:noFill/>
-          <a:ln>
-            <a:noFill/>
-          </a:ln>
-        </p:spPr>
-        <p:txBody>
-          <a:bodyPr wrap="none" rtlCol="0">
-            <a:spAutoFit/>
-          </a:bodyPr>
-          <a:lstStyle/>
-          <a:p>
-            <a:r>
-              <a:rPr lang="en-US" altLang="ko-KR" sz="1400" b="1" dirty="0" err="1" smtClean="0"/>
-              <a:t>xxxx</a:t>
+            <a:off x="1969019" y="5312537"/>
+            <a:ext cx="601447" cy="307777"/>
+          </a:xfrm>
+          <a:prstGeom prst="rect">
+            <a:avLst/>
+          </a:prstGeom>
+          <a:noFill/>
+          <a:ln>
+            <a:noFill/>
+          </a:ln>
+        </p:spPr>
+        <p:txBody>
+          <a:bodyPr wrap="none" rtlCol="0">
+            <a:spAutoFit/>
+          </a:bodyPr>
+          <a:lstStyle/>
+          <a:p>
+            <a:r>
+              <a:rPr lang="en-US" altLang="ko-KR" sz="1400" b="1" dirty="0" smtClean="0"/>
+              <a:t>2010</a:t>
             </a:r>
             <a:endParaRPr lang="ko-KR" altLang="en-US" sz="1400" b="1" dirty="0"/>
           </a:p>
@@ -28387,26 +28387,26 @@
         </p:nvSpPr>
         <p:spPr>
           <a:xfrm>
-            <a:off x="3802016" y="4799309"/>
-            <a:ext cx="569387" cy="307777"/>
-          </a:xfrm>
-          <a:prstGeom prst="rect">
-            <a:avLst/>
-          </a:prstGeom>
-          <a:noFill/>
-          <a:ln>
-            <a:noFill/>
-          </a:ln>
-        </p:spPr>
-        <p:txBody>
-          <a:bodyPr wrap="none" rtlCol="0">
-            <a:spAutoFit/>
-          </a:bodyPr>
-          <a:lstStyle/>
-          <a:p>
-            <a:r>
-              <a:rPr lang="en-US" altLang="ko-KR" sz="1400" b="1" dirty="0" err="1" smtClean="0"/>
-              <a:t>xxxx</a:t>
+            <a:off x="2689357" y="4799305"/>
+            <a:ext cx="601447" cy="307777"/>
+          </a:xfrm>
+          <a:prstGeom prst="rect">
+            <a:avLst/>
+          </a:prstGeom>
+          <a:noFill/>
+          <a:ln>
+            <a:noFill/>
+          </a:ln>
+        </p:spPr>
+        <p:txBody>
+          <a:bodyPr wrap="none" rtlCol="0">
+            <a:spAutoFit/>
+          </a:bodyPr>
+          <a:lstStyle/>
+          <a:p>
+            <a:r>
+              <a:rPr lang="en-US" altLang="ko-KR" sz="1400" b="1" dirty="0" smtClean="0"/>
+              <a:t>2011</a:t>
             </a:r>
             <a:endParaRPr lang="ko-KR" altLang="en-US" sz="1400" b="1" dirty="0"/>
           </a:p>
@@ -28420,26 +28420,26 @@
         </p:nvSpPr>
         <p:spPr>
           <a:xfrm>
-            <a:off x="4475614" y="4799308"/>
-            <a:ext cx="569387" cy="307777"/>
-          </a:xfrm>
-          <a:prstGeom prst="rect">
-            <a:avLst/>
-          </a:prstGeom>
-          <a:noFill/>
-          <a:ln>
-            <a:noFill/>
-          </a:ln>
-        </p:spPr>
-        <p:txBody>
-          <a:bodyPr wrap="none" rtlCol="0">
-            <a:spAutoFit/>
-          </a:bodyPr>
-          <a:lstStyle/>
-          <a:p>
-            <a:r>
-              <a:rPr lang="en-US" altLang="ko-KR" sz="1400" b="1" dirty="0" err="1" smtClean="0"/>
-              <a:t>xxxx</a:t>
+            <a:off x="3470967" y="4799304"/>
+            <a:ext cx="601447" cy="307777"/>
+          </a:xfrm>
+          <a:prstGeom prst="rect">
+            <a:avLst/>
+          </a:prstGeom>
+          <a:noFill/>
+          <a:ln>
+            <a:noFill/>
+          </a:ln>
+        </p:spPr>
+        <p:txBody>
+          <a:bodyPr wrap="none" rtlCol="0">
+            <a:spAutoFit/>
+          </a:bodyPr>
+          <a:lstStyle/>
+          <a:p>
+            <a:r>
+              <a:rPr lang="en-US" altLang="ko-KR" sz="1400" b="1" dirty="0" smtClean="0"/>
+              <a:t>2012</a:t>
             </a:r>
             <a:endParaRPr lang="ko-KR" altLang="en-US" sz="1400" b="1" dirty="0"/>
           </a:p>
@@ -28453,26 +28453,26 @@
         </p:nvSpPr>
         <p:spPr>
           <a:xfrm>
-            <a:off x="5021481" y="4799307"/>
-            <a:ext cx="569387" cy="307777"/>
-          </a:xfrm>
-          <a:prstGeom prst="rect">
-            <a:avLst/>
-          </a:prstGeom>
-          <a:noFill/>
-          <a:ln>
-            <a:noFill/>
-          </a:ln>
-        </p:spPr>
-        <p:txBody>
-          <a:bodyPr wrap="none" rtlCol="0">
-            <a:spAutoFit/>
-          </a:bodyPr>
-          <a:lstStyle/>
-          <a:p>
-            <a:r>
-              <a:rPr lang="en-US" altLang="ko-KR" sz="1400" b="1" dirty="0" err="1" smtClean="0"/>
-              <a:t>xxxx</a:t>
+            <a:off x="3908822" y="4795123"/>
+            <a:ext cx="601447" cy="307777"/>
+          </a:xfrm>
+          <a:prstGeom prst="rect">
+            <a:avLst/>
+          </a:prstGeom>
+          <a:noFill/>
+          <a:ln>
+            <a:noFill/>
+          </a:ln>
+        </p:spPr>
+        <p:txBody>
+          <a:bodyPr wrap="none" rtlCol="0">
+            <a:spAutoFit/>
+          </a:bodyPr>
+          <a:lstStyle/>
+          <a:p>
+            <a:r>
+              <a:rPr lang="en-US" altLang="ko-KR" sz="1400" b="1" dirty="0" smtClean="0"/>
+              <a:t>2013</a:t>
             </a:r>
             <a:endParaRPr lang="ko-KR" altLang="en-US" sz="1400" b="1" dirty="0"/>
           </a:p>
@@ -28486,26 +28486,92 @@
         </p:nvSpPr>
         <p:spPr>
           <a:xfrm>
-            <a:off x="5507569" y="4799306"/>
-            <a:ext cx="569387" cy="307777"/>
-          </a:xfrm>
-          <a:prstGeom prst="rect">
-            <a:avLst/>
-          </a:prstGeom>
-          <a:noFill/>
-          <a:ln>
-            <a:noFill/>
-          </a:ln>
-        </p:spPr>
-        <p:txBody>
-          <a:bodyPr wrap="none" rtlCol="0">
-            <a:spAutoFit/>
-          </a:bodyPr>
-          <a:lstStyle/>
-          <a:p>
-            <a:r>
-              <a:rPr lang="en-US" altLang="ko-KR" sz="1400" b="1" dirty="0" err="1" smtClean="0"/>
-              <a:t>xxxx</a:t>
+            <a:off x="4483442" y="4799304"/>
+            <a:ext cx="601447" cy="307777"/>
+          </a:xfrm>
+          <a:prstGeom prst="rect">
+            <a:avLst/>
+          </a:prstGeom>
+          <a:noFill/>
+          <a:ln>
+            <a:noFill/>
+          </a:ln>
+        </p:spPr>
+        <p:txBody>
+          <a:bodyPr wrap="none" rtlCol="0">
+            <a:spAutoFit/>
+          </a:bodyPr>
+          <a:lstStyle/>
+          <a:p>
+            <a:r>
+              <a:rPr lang="en-US" altLang="ko-KR" sz="1400" b="1" dirty="0" smtClean="0"/>
+              <a:t>2093</a:t>
+            </a:r>
+            <a:endParaRPr lang="ko-KR" altLang="en-US" sz="1400" b="1" dirty="0"/>
+          </a:p>
+        </p:txBody>
+      </p:sp>
+      <p:sp>
+        <p:nvSpPr>
+          <p:cNvPr id="46" name="TextBox 45"/>
+          <p:cNvSpPr txBox="1"/>
+          <p:nvPr/>
+        </p:nvSpPr>
+        <p:spPr>
+          <a:xfrm>
+            <a:off x="5011290" y="4779827"/>
+            <a:ext cx="601447" cy="307777"/>
+          </a:xfrm>
+          <a:prstGeom prst="rect">
+            <a:avLst/>
+          </a:prstGeom>
+          <a:noFill/>
+          <a:ln>
+            <a:noFill/>
+          </a:ln>
+        </p:spPr>
+        <p:txBody>
+          <a:bodyPr wrap="none" rtlCol="0">
+            <a:spAutoFit/>
+          </a:bodyPr>
+          <a:lstStyle/>
+          <a:p>
+            <a:r>
+              <a:rPr lang="en-US" altLang="ko-KR" sz="1400" b="1" dirty="0" smtClean="0"/>
+              <a:t>2092</a:t>
+            </a:r>
+            <a:endParaRPr lang="ko-KR" altLang="en-US" sz="1400" b="1" dirty="0"/>
+          </a:p>
+        </p:txBody>
+      </p:sp>
+      <p:sp>
+        <p:nvSpPr>
+          <p:cNvPr id="47" name="TextBox 46"/>
+          <p:cNvSpPr txBox="1"/>
+          <p:nvPr/>
+        </p:nvSpPr>
+        <p:spPr>
+          <a:xfrm>
+            <a:off x="5539138" y="4787977"/>
+            <a:ext cx="601447" cy="307777"/>
+          </a:xfrm>
+          <a:prstGeom prst="rect">
+            <a:avLst/>
+          </a:prstGeom>
+          <a:noFill/>
+          <a:ln>
+            <a:noFill/>
+          </a:ln>
+        </p:spPr>
+        <p:txBody>
+          <a:bodyPr wrap="none" rtlCol="0">
+            <a:spAutoFit/>
+          </a:bodyPr>
+          <a:lstStyle/>
+          <a:p>
+            <a:r>
+              <a:rPr lang="en-US" altLang="ko-KR" sz="1400" b="1" dirty="0" smtClean="0"/>
+              <a:t>2094</a:t>
             </a:r>
             <a:endParaRPr lang="ko-KR" altLang="en-US" sz="1400" b="1" dirty="0"/>
           </a:p>
